--- a/mwh1CONSEGNA.pptx
+++ b/mwh1CONSEGNA.pptx
@@ -128,6 +128,7 @@
   <p1510:revLst>
     <p1510:client id="{2B8CC918-E2B9-A7E6-6E4E-86D83C398089}" v="1289" dt="2021-03-25T20:17:38.280"/>
     <p1510:client id="{2C196954-34D9-F2B5-A7F9-24696B0D8F3C}" v="860" dt="2021-03-26T13:40:01.685"/>
+    <p1510:client id="{A42972E2-B3D9-13E4-0AFC-868F069EFCED}" v="42" dt="2021-03-26T22:59:39.859"/>
     <p1510:client id="{BF7AC157-5751-05B6-7D32-65B549EBEC8B}" v="1827" dt="2021-03-23T19:20:10.222"/>
     <p1510:client id="{CFCF6FA6-69C1-BD7C-806F-A4E76F922E1A}" v="4941" dt="2021-03-25T19:20:32.868"/>
   </p1510:revLst>
@@ -7246,7 +7247,7 @@
         </p:nvSpPr>
         <p:spPr>
           <a:xfrm rot="16200000">
-            <a:off x="6605138" y="897327"/>
+            <a:off x="6418232" y="724799"/>
             <a:ext cx="2743200" cy="369332"/>
           </a:xfrm>
           <a:prstGeom prst="rect">
@@ -7283,8 +7284,8 @@
           <p:nvPr/>
         </p:nvSpPr>
         <p:spPr>
-          <a:xfrm rot="-5400000">
-            <a:off x="6622211" y="3128513"/>
+          <a:xfrm rot="16200000">
+            <a:off x="6478437" y="3933645"/>
             <a:ext cx="2743200" cy="369332"/>
           </a:xfrm>
           <a:prstGeom prst="rect">
@@ -7303,7 +7304,7 @@
           <a:p>
             <a:r>
               <a:rPr lang="en-US" dirty="0"/>
-              <a:t>ALTEZZA :10%</a:t>
+              <a:t>ALTEZZA :CONTENUTO</a:t>
             </a:r>
           </a:p>
         </p:txBody>
@@ -13388,7 +13389,7 @@
           <a:p>
             <a:r>
               <a:rPr lang="en-US" dirty="0"/>
-              <a:t>10 PX PADDING</a:t>
+              <a:t>20 PX PADDING</a:t>
             </a:r>
           </a:p>
         </p:txBody>
@@ -13426,7 +13427,7 @@
           <a:p>
             <a:r>
               <a:rPr lang="en-US" dirty="0"/>
-              <a:t>10PX PADDING</a:t>
+              <a:t>20PX PADDING</a:t>
             </a:r>
           </a:p>
         </p:txBody>
